--- a/begin-slack.pptx
+++ b/begin-slack.pptx
@@ -6987,124 +6987,6 @@
           </a:p>
         </p:txBody>
       </p:sp>
-      <p:sp>
-        <p:nvSpPr>
-          <p:cNvPr id="3" name="テキスト ボックス 2"/>
-          <p:cNvSpPr txBox="1"/>
-          <p:nvPr/>
-        </p:nvSpPr>
-        <p:spPr>
-          <a:xfrm>
-            <a:off x="440631" y="6466567"/>
-            <a:ext cx="8603637" cy="338554"/>
-          </a:xfrm>
-          <a:prstGeom prst="rect">
-            <a:avLst/>
-          </a:prstGeom>
-          <a:noFill/>
-        </p:spPr>
-        <p:txBody>
-          <a:bodyPr wrap="none" rtlCol="0">
-            <a:spAutoFit/>
-          </a:bodyPr>
-          <a:lstStyle/>
-          <a:p>
-            <a:r>
-              <a:rPr lang="en-US" altLang="ja-JP" sz="1600" dirty="0" smtClean="0">
-                <a:solidFill>
-                  <a:srgbClr val="FFFF00"/>
-                </a:solidFill>
-              </a:rPr>
-              <a:t>※</a:t>
-            </a:r>
-            <a:r>
-              <a:rPr lang="ja-JP" altLang="en-US" sz="1600" dirty="0">
-                <a:solidFill>
-                  <a:srgbClr val="FFFF00"/>
-                </a:solidFill>
-              </a:rPr>
-              <a:t> </a:t>
-            </a:r>
-            <a:r>
-              <a:rPr lang="ja-JP" altLang="en-US" sz="1600" dirty="0" smtClean="0">
-                <a:solidFill>
-                  <a:srgbClr val="FFFF00"/>
-                </a:solidFill>
-              </a:rPr>
-              <a:t>この例</a:t>
-            </a:r>
-            <a:r>
-              <a:rPr lang="ja-JP" altLang="en-US" sz="1600" dirty="0">
-                <a:solidFill>
-                  <a:srgbClr val="FFFF00"/>
-                </a:solidFill>
-              </a:rPr>
-              <a:t>で</a:t>
-            </a:r>
-            <a:r>
-              <a:rPr lang="ja-JP" altLang="en-US" sz="1600" dirty="0" smtClean="0">
-                <a:solidFill>
-                  <a:srgbClr val="FFFF00"/>
-                </a:solidFill>
-              </a:rPr>
-              <a:t>は </a:t>
-            </a:r>
-            <a:r>
-              <a:rPr lang="en-US" altLang="ja-JP" sz="1600" dirty="0" smtClean="0">
-                <a:solidFill>
-                  <a:srgbClr val="FFFF00"/>
-                </a:solidFill>
-              </a:rPr>
-              <a:t>#general </a:t>
-            </a:r>
-            <a:r>
-              <a:rPr lang="ja-JP" altLang="en-US" sz="1600" dirty="0" smtClean="0">
-                <a:solidFill>
-                  <a:srgbClr val="FFFF00"/>
-                </a:solidFill>
-              </a:rPr>
-              <a:t>の中にいますが、練習するときは</a:t>
-            </a:r>
-            <a:r>
-              <a:rPr lang="ja-JP" altLang="en-US" sz="1600" dirty="0">
-                <a:solidFill>
-                  <a:srgbClr val="FFFF00"/>
-                </a:solidFill>
-              </a:rPr>
-              <a:t>自分</a:t>
-            </a:r>
-            <a:r>
-              <a:rPr lang="ja-JP" altLang="en-US" sz="1600" dirty="0" smtClean="0">
-                <a:solidFill>
-                  <a:srgbClr val="FFFF00"/>
-                </a:solidFill>
-              </a:rPr>
-              <a:t>のスペースや </a:t>
-            </a:r>
-            <a:r>
-              <a:rPr lang="en-US" altLang="ja-JP" sz="1600" dirty="0" smtClean="0">
-                <a:solidFill>
-                  <a:srgbClr val="FFFF00"/>
-                </a:solidFill>
-              </a:rPr>
-              <a:t>#students </a:t>
-            </a:r>
-            <a:r>
-              <a:rPr lang="ja-JP" altLang="en-US" sz="1600" dirty="0" smtClean="0">
-                <a:solidFill>
-                  <a:srgbClr val="FFFF00"/>
-                </a:solidFill>
-              </a:rPr>
-              <a:t>で。</a:t>
-            </a:r>
-            <a:endParaRPr lang="en-US" sz="1600" dirty="0">
-              <a:solidFill>
-                <a:srgbClr val="FFFF00"/>
-              </a:solidFill>
-            </a:endParaRPr>
-          </a:p>
-        </p:txBody>
-      </p:sp>
     </p:spTree>
     <p:extLst>
       <p:ext uri="{BB962C8B-B14F-4D97-AF65-F5344CB8AC3E}">
@@ -7268,124 +7150,6 @@
           </a:p>
         </p:txBody>
       </p:sp>
-      <p:sp>
-        <p:nvSpPr>
-          <p:cNvPr id="8" name="テキスト ボックス 7"/>
-          <p:cNvSpPr txBox="1"/>
-          <p:nvPr/>
-        </p:nvSpPr>
-        <p:spPr>
-          <a:xfrm>
-            <a:off x="440631" y="6466567"/>
-            <a:ext cx="8603637" cy="338554"/>
-          </a:xfrm>
-          <a:prstGeom prst="rect">
-            <a:avLst/>
-          </a:prstGeom>
-          <a:noFill/>
-        </p:spPr>
-        <p:txBody>
-          <a:bodyPr wrap="none" rtlCol="0">
-            <a:spAutoFit/>
-          </a:bodyPr>
-          <a:lstStyle/>
-          <a:p>
-            <a:r>
-              <a:rPr lang="en-US" altLang="ja-JP" sz="1600" dirty="0" smtClean="0">
-                <a:solidFill>
-                  <a:srgbClr val="FFFF00"/>
-                </a:solidFill>
-              </a:rPr>
-              <a:t>※</a:t>
-            </a:r>
-            <a:r>
-              <a:rPr lang="ja-JP" altLang="en-US" sz="1600" dirty="0">
-                <a:solidFill>
-                  <a:srgbClr val="FFFF00"/>
-                </a:solidFill>
-              </a:rPr>
-              <a:t> </a:t>
-            </a:r>
-            <a:r>
-              <a:rPr lang="ja-JP" altLang="en-US" sz="1600" dirty="0" smtClean="0">
-                <a:solidFill>
-                  <a:srgbClr val="FFFF00"/>
-                </a:solidFill>
-              </a:rPr>
-              <a:t>この例</a:t>
-            </a:r>
-            <a:r>
-              <a:rPr lang="ja-JP" altLang="en-US" sz="1600" dirty="0">
-                <a:solidFill>
-                  <a:srgbClr val="FFFF00"/>
-                </a:solidFill>
-              </a:rPr>
-              <a:t>で</a:t>
-            </a:r>
-            <a:r>
-              <a:rPr lang="ja-JP" altLang="en-US" sz="1600" dirty="0" smtClean="0">
-                <a:solidFill>
-                  <a:srgbClr val="FFFF00"/>
-                </a:solidFill>
-              </a:rPr>
-              <a:t>は </a:t>
-            </a:r>
-            <a:r>
-              <a:rPr lang="en-US" altLang="ja-JP" sz="1600" dirty="0" smtClean="0">
-                <a:solidFill>
-                  <a:srgbClr val="FFFF00"/>
-                </a:solidFill>
-              </a:rPr>
-              <a:t>#general </a:t>
-            </a:r>
-            <a:r>
-              <a:rPr lang="ja-JP" altLang="en-US" sz="1600" dirty="0" smtClean="0">
-                <a:solidFill>
-                  <a:srgbClr val="FFFF00"/>
-                </a:solidFill>
-              </a:rPr>
-              <a:t>の中にいますが、練習するときは</a:t>
-            </a:r>
-            <a:r>
-              <a:rPr lang="ja-JP" altLang="en-US" sz="1600" dirty="0">
-                <a:solidFill>
-                  <a:srgbClr val="FFFF00"/>
-                </a:solidFill>
-              </a:rPr>
-              <a:t>自分</a:t>
-            </a:r>
-            <a:r>
-              <a:rPr lang="ja-JP" altLang="en-US" sz="1600" dirty="0" smtClean="0">
-                <a:solidFill>
-                  <a:srgbClr val="FFFF00"/>
-                </a:solidFill>
-              </a:rPr>
-              <a:t>のスペースや </a:t>
-            </a:r>
-            <a:r>
-              <a:rPr lang="en-US" altLang="ja-JP" sz="1600" dirty="0" smtClean="0">
-                <a:solidFill>
-                  <a:srgbClr val="FFFF00"/>
-                </a:solidFill>
-              </a:rPr>
-              <a:t>#students </a:t>
-            </a:r>
-            <a:r>
-              <a:rPr lang="ja-JP" altLang="en-US" sz="1600" dirty="0" smtClean="0">
-                <a:solidFill>
-                  <a:srgbClr val="FFFF00"/>
-                </a:solidFill>
-              </a:rPr>
-              <a:t>で。</a:t>
-            </a:r>
-            <a:endParaRPr lang="en-US" sz="1600" dirty="0">
-              <a:solidFill>
-                <a:srgbClr val="FFFF00"/>
-              </a:solidFill>
-            </a:endParaRPr>
-          </a:p>
-        </p:txBody>
-      </p:sp>
     </p:spTree>
     <p:extLst>
       <p:ext uri="{BB962C8B-B14F-4D97-AF65-F5344CB8AC3E}">
@@ -7486,6 +7250,140 @@
               <a:t>12</a:t>
             </a:fld>
             <a:endParaRPr kumimoji="1" lang="ja-JP" altLang="en-US"/>
+          </a:p>
+        </p:txBody>
+      </p:sp>
+      <p:sp>
+        <p:nvSpPr>
+          <p:cNvPr id="5" name="テキスト ボックス 4"/>
+          <p:cNvSpPr txBox="1"/>
+          <p:nvPr/>
+        </p:nvSpPr>
+        <p:spPr>
+          <a:xfrm>
+            <a:off x="425379" y="4750019"/>
+            <a:ext cx="8603637" cy="338554"/>
+          </a:xfrm>
+          <a:prstGeom prst="rect">
+            <a:avLst/>
+          </a:prstGeom>
+          <a:noFill/>
+        </p:spPr>
+        <p:txBody>
+          <a:bodyPr wrap="none" rtlCol="0">
+            <a:spAutoFit/>
+          </a:bodyPr>
+          <a:lstStyle/>
+          <a:p>
+            <a:r>
+              <a:rPr lang="en-US" altLang="ja-JP" sz="1600" dirty="0" smtClean="0">
+                <a:solidFill>
+                  <a:srgbClr val="FFFF00"/>
+                </a:solidFill>
+              </a:rPr>
+              <a:t>※</a:t>
+            </a:r>
+            <a:r>
+              <a:rPr lang="ja-JP" altLang="en-US" sz="1600" dirty="0">
+                <a:solidFill>
+                  <a:srgbClr val="FFFF00"/>
+                </a:solidFill>
+              </a:rPr>
+              <a:t> </a:t>
+            </a:r>
+            <a:r>
+              <a:rPr lang="ja-JP" altLang="en-US" sz="1600" dirty="0" smtClean="0">
+                <a:solidFill>
+                  <a:srgbClr val="FFFF00"/>
+                </a:solidFill>
+              </a:rPr>
+              <a:t>い</a:t>
+            </a:r>
+            <a:r>
+              <a:rPr lang="ja-JP" altLang="en-US" sz="1600" dirty="0">
+                <a:solidFill>
+                  <a:srgbClr val="FFFF00"/>
+                </a:solidFill>
+              </a:rPr>
+              <a:t>ま</a:t>
+            </a:r>
+            <a:r>
+              <a:rPr lang="ja-JP" altLang="en-US" sz="1600" dirty="0" smtClean="0">
+                <a:solidFill>
+                  <a:srgbClr val="FFFF00"/>
+                </a:solidFill>
+              </a:rPr>
+              <a:t> </a:t>
+            </a:r>
+            <a:r>
+              <a:rPr lang="en-US" altLang="ja-JP" sz="1600" dirty="0" smtClean="0">
+                <a:solidFill>
+                  <a:srgbClr val="FFFF00"/>
+                </a:solidFill>
+              </a:rPr>
+              <a:t>#general </a:t>
+            </a:r>
+            <a:r>
+              <a:rPr lang="ja-JP" altLang="en-US" sz="1600" dirty="0" smtClean="0">
+                <a:solidFill>
+                  <a:srgbClr val="FFFF00"/>
+                </a:solidFill>
+              </a:rPr>
+              <a:t>の</a:t>
+            </a:r>
+            <a:r>
+              <a:rPr lang="ja-JP" altLang="en-US" sz="1600" dirty="0" smtClean="0">
+                <a:solidFill>
+                  <a:srgbClr val="FFFF00"/>
+                </a:solidFill>
+              </a:rPr>
+              <a:t>中ですが、ここからは練習</a:t>
+            </a:r>
+            <a:r>
+              <a:rPr lang="ja-JP" altLang="en-US" sz="1600" dirty="0" smtClean="0">
+                <a:solidFill>
+                  <a:srgbClr val="FFFF00"/>
+                </a:solidFill>
+              </a:rPr>
+              <a:t>するときは</a:t>
+            </a:r>
+            <a:r>
+              <a:rPr lang="ja-JP" altLang="en-US" sz="1600" dirty="0">
+                <a:solidFill>
+                  <a:srgbClr val="FFFF00"/>
+                </a:solidFill>
+              </a:rPr>
+              <a:t>自分</a:t>
+            </a:r>
+            <a:r>
+              <a:rPr lang="ja-JP" altLang="en-US" sz="1600" dirty="0" smtClean="0">
+                <a:solidFill>
+                  <a:srgbClr val="FFFF00"/>
+                </a:solidFill>
+              </a:rPr>
+              <a:t>のスペースや </a:t>
+            </a:r>
+            <a:r>
+              <a:rPr lang="en-US" altLang="ja-JP" sz="1600" dirty="0" smtClean="0">
+                <a:solidFill>
+                  <a:srgbClr val="FFFF00"/>
+                </a:solidFill>
+              </a:rPr>
+              <a:t>#students </a:t>
+            </a:r>
+            <a:r>
+              <a:rPr lang="ja-JP" altLang="en-US" sz="1600" dirty="0" smtClean="0">
+                <a:solidFill>
+                  <a:srgbClr val="FFFF00"/>
+                </a:solidFill>
+              </a:rPr>
+              <a:t>で。</a:t>
+            </a:r>
+            <a:endParaRPr lang="en-US" sz="1600" dirty="0">
+              <a:solidFill>
+                <a:srgbClr val="FFFF00"/>
+              </a:solidFill>
+            </a:endParaRPr>
           </a:p>
         </p:txBody>
       </p:sp>
@@ -16848,7 +16746,15 @@
                   <a:srgbClr val="CCFFFF"/>
                 </a:solidFill>
               </a:rPr>
-              <a:t>関係者の</a:t>
+              <a:t>関係者の方</a:t>
+            </a:r>
+            <a:r>
+              <a:rPr lang="ja-JP" altLang="en-US" sz="1200" b="1" dirty="0">
+                <a:solidFill>
+                  <a:srgbClr val="CCFFFF"/>
+                </a:solidFill>
+              </a:rPr>
+              <a:t>も</a:t>
             </a:r>
             <a:r>
               <a:rPr lang="ja-JP" altLang="en-US" sz="1200" b="1" dirty="0" smtClean="0">
@@ -16856,7 +16762,7 @@
                   <a:srgbClr val="CCFFFF"/>
                 </a:solidFill>
               </a:rPr>
-              <a:t>方</a:t>
+              <a:t>負担</a:t>
             </a:r>
             <a:r>
               <a:rPr lang="ja-JP" altLang="en-US" sz="1200" b="1" dirty="0">
@@ -16864,7 +16770,7 @@
                   <a:srgbClr val="CCFFFF"/>
                 </a:solidFill>
               </a:rPr>
-              <a:t>も</a:t>
+              <a:t>に</a:t>
             </a:r>
             <a:r>
               <a:rPr lang="ja-JP" altLang="en-US" sz="1200" b="1" dirty="0" smtClean="0">
@@ -16872,7 +16778,7 @@
                   <a:srgbClr val="CCFFFF"/>
                 </a:solidFill>
               </a:rPr>
-              <a:t>負担</a:t>
+              <a:t>ならないようにご</a:t>
             </a:r>
             <a:r>
               <a:rPr lang="ja-JP" altLang="en-US" sz="1200" b="1" dirty="0">
@@ -16880,7 +16786,7 @@
                   <a:srgbClr val="CCFFFF"/>
                 </a:solidFill>
               </a:rPr>
-              <a:t>に</a:t>
+              <a:t>協力</a:t>
             </a:r>
             <a:r>
               <a:rPr lang="ja-JP" altLang="en-US" sz="1200" b="1" dirty="0" smtClean="0">
@@ -16888,43 +16794,11 @@
                   <a:srgbClr val="CCFFFF"/>
                 </a:solidFill>
               </a:rPr>
-              <a:t>ならないようにご</a:t>
-            </a:r>
-            <a:r>
-              <a:rPr lang="ja-JP" altLang="en-US" sz="1200" b="1" dirty="0">
-                <a:solidFill>
-                  <a:srgbClr val="CCFFFF"/>
-                </a:solidFill>
-              </a:rPr>
-              <a:t>協力</a:t>
-            </a:r>
-            <a:r>
-              <a:rPr lang="ja-JP" altLang="en-US" sz="1200" b="1" dirty="0" smtClean="0">
-                <a:solidFill>
-                  <a:srgbClr val="CCFFFF"/>
-                </a:solidFill>
-              </a:rPr>
               <a:t>してもらえたらと思います</a:t>
             </a:r>
             <a:r>
               <a:rPr lang="ja-JP" altLang="en-US" sz="1200" b="1" dirty="0" smtClean="0"/>
-              <a:t>。参加</a:t>
-            </a:r>
-            <a:r>
-              <a:rPr lang="ja-JP" altLang="en-US" sz="1200" b="1" dirty="0" smtClean="0"/>
-              <a:t>もチャンネル</a:t>
-            </a:r>
-            <a:r>
-              <a:rPr lang="ja-JP" altLang="en-US" sz="1200" b="1" dirty="0" smtClean="0"/>
-              <a:t>への</a:t>
-            </a:r>
-            <a:r>
-              <a:rPr lang="ja-JP" altLang="en-US" sz="1200" b="1" dirty="0" smtClean="0"/>
-              <a:t>質問・回答も自由です。</a:t>
-            </a:r>
-            <a:r>
-              <a:rPr lang="ja-JP" altLang="en-US" sz="1200" b="1" dirty="0" smtClean="0"/>
-              <a:t>「当時これをちょろっと教えて</a:t>
+              <a:t>。参加もチャンネルへの質問・回答も自由です。「当時これをちょろっと教えて</a:t>
             </a:r>
             <a:r>
               <a:rPr lang="ja-JP" altLang="en-US" sz="1200" b="1" dirty="0"/>
